--- a/tests/ShapeCrawler.UnitTests/Resource/002.pptx
+++ b/tests/ShapeCrawler.UnitTests/Resource/002.pptx
@@ -7,6 +7,7 @@
   <p:sldIdLst>
     <p:sldId id="256" r:id="rId2"/>
     <p:sldId id="257" r:id="rId3"/>
+    <p:sldId id="258" r:id="rId4"/>
   </p:sldIdLst>
   <p:sldSz cx="12192000" cy="6858000"/>
   <p:notesSz cx="6858000" cy="9144000"/>
@@ -1262,7 +1263,7 @@
           <a:p>
             <a:fld id="{6A2D1428-0459-4F75-829F-043936AE8C9E}" type="datetimeFigureOut">
               <a:rPr lang="en-US" smtClean="0"/>
-              <a:t>10/11/2020</a:t>
+              <a:t>12/23/2020</a:t>
             </a:fld>
             <a:endParaRPr lang="en-US"/>
           </a:p>
@@ -1462,7 +1463,7 @@
           <a:p>
             <a:fld id="{6A2D1428-0459-4F75-829F-043936AE8C9E}" type="datetimeFigureOut">
               <a:rPr lang="en-US" smtClean="0"/>
-              <a:t>10/11/2020</a:t>
+              <a:t>12/23/2020</a:t>
             </a:fld>
             <a:endParaRPr lang="en-US"/>
           </a:p>
@@ -1672,7 +1673,7 @@
           <a:p>
             <a:fld id="{6A2D1428-0459-4F75-829F-043936AE8C9E}" type="datetimeFigureOut">
               <a:rPr lang="en-US" smtClean="0"/>
-              <a:t>10/11/2020</a:t>
+              <a:t>12/23/2020</a:t>
             </a:fld>
             <a:endParaRPr lang="en-US"/>
           </a:p>
@@ -1872,7 +1873,7 @@
           <a:p>
             <a:fld id="{6A2D1428-0459-4F75-829F-043936AE8C9E}" type="datetimeFigureOut">
               <a:rPr lang="en-US" smtClean="0"/>
-              <a:t>10/11/2020</a:t>
+              <a:t>12/23/2020</a:t>
             </a:fld>
             <a:endParaRPr lang="en-US"/>
           </a:p>
@@ -2148,7 +2149,7 @@
           <a:p>
             <a:fld id="{6A2D1428-0459-4F75-829F-043936AE8C9E}" type="datetimeFigureOut">
               <a:rPr lang="en-US" smtClean="0"/>
-              <a:t>10/11/2020</a:t>
+              <a:t>12/23/2020</a:t>
             </a:fld>
             <a:endParaRPr lang="en-US"/>
           </a:p>
@@ -2416,7 +2417,7 @@
           <a:p>
             <a:fld id="{6A2D1428-0459-4F75-829F-043936AE8C9E}" type="datetimeFigureOut">
               <a:rPr lang="en-US" smtClean="0"/>
-              <a:t>10/11/2020</a:t>
+              <a:t>12/23/2020</a:t>
             </a:fld>
             <a:endParaRPr lang="en-US"/>
           </a:p>
@@ -2831,7 +2832,7 @@
           <a:p>
             <a:fld id="{6A2D1428-0459-4F75-829F-043936AE8C9E}" type="datetimeFigureOut">
               <a:rPr lang="en-US" smtClean="0"/>
-              <a:t>10/11/2020</a:t>
+              <a:t>12/23/2020</a:t>
             </a:fld>
             <a:endParaRPr lang="en-US"/>
           </a:p>
@@ -2973,7 +2974,7 @@
           <a:p>
             <a:fld id="{6A2D1428-0459-4F75-829F-043936AE8C9E}" type="datetimeFigureOut">
               <a:rPr lang="en-US" smtClean="0"/>
-              <a:t>10/11/2020</a:t>
+              <a:t>12/23/2020</a:t>
             </a:fld>
             <a:endParaRPr lang="en-US"/>
           </a:p>
@@ -3086,7 +3087,7 @@
           <a:p>
             <a:fld id="{6A2D1428-0459-4F75-829F-043936AE8C9E}" type="datetimeFigureOut">
               <a:rPr lang="en-US" smtClean="0"/>
-              <a:t>10/11/2020</a:t>
+              <a:t>12/23/2020</a:t>
             </a:fld>
             <a:endParaRPr lang="en-US"/>
           </a:p>
@@ -3399,7 +3400,7 @@
           <a:p>
             <a:fld id="{6A2D1428-0459-4F75-829F-043936AE8C9E}" type="datetimeFigureOut">
               <a:rPr lang="en-US" smtClean="0"/>
-              <a:t>10/11/2020</a:t>
+              <a:t>12/23/2020</a:t>
             </a:fld>
             <a:endParaRPr lang="en-US"/>
           </a:p>
@@ -3688,7 +3689,7 @@
           <a:p>
             <a:fld id="{6A2D1428-0459-4F75-829F-043936AE8C9E}" type="datetimeFigureOut">
               <a:rPr lang="en-US" smtClean="0"/>
-              <a:t>10/11/2020</a:t>
+              <a:t>12/23/2020</a:t>
             </a:fld>
             <a:endParaRPr lang="en-US"/>
           </a:p>
@@ -3931,7 +3932,7 @@
           <a:p>
             <a:fld id="{6A2D1428-0459-4F75-829F-043936AE8C9E}" type="datetimeFigureOut">
               <a:rPr lang="en-US" smtClean="0"/>
-              <a:t>10/11/2020</a:t>
+              <a:t>12/23/2020</a:t>
             </a:fld>
             <a:endParaRPr lang="en-US"/>
           </a:p>
@@ -4803,6 +4804,72 @@
 </p:sld>
 </file>
 
+<file path=ppt/slides/slide3.xml><?xml version="1.0" encoding="utf-8"?>
+<p:sld xmlns:a="http://schemas.openxmlformats.org/drawingml/2006/main" xmlns:r="http://schemas.openxmlformats.org/officeDocument/2006/relationships" xmlns:p="http://schemas.openxmlformats.org/presentationml/2006/main" show="0">
+  <p:cSld>
+    <p:spTree>
+      <p:nvGrpSpPr>
+        <p:cNvPr id="1" name=""/>
+        <p:cNvGrpSpPr/>
+        <p:nvPr/>
+      </p:nvGrpSpPr>
+      <p:grpSpPr>
+        <a:xfrm>
+          <a:off x="0" y="0"/>
+          <a:ext cx="0" cy="0"/>
+          <a:chOff x="0" y="0"/>
+          <a:chExt cx="0" cy="0"/>
+        </a:xfrm>
+      </p:grpSpPr>
+      <p:sp>
+        <p:nvSpPr>
+          <p:cNvPr id="6" name="TextBox 5">
+            <a:extLst>
+              <a:ext uri="{FF2B5EF4-FFF2-40B4-BE49-F238E27FC236}">
+                <a16:creationId xmlns:a16="http://schemas.microsoft.com/office/drawing/2014/main" id="{F9169B42-C1F6-4B65-BACE-4ADC977D7E4A}"/>
+              </a:ext>
+            </a:extLst>
+          </p:cNvPr>
+          <p:cNvSpPr txBox="1"/>
+          <p:nvPr/>
+        </p:nvSpPr>
+        <p:spPr>
+          <a:xfrm>
+            <a:off x="1203568" y="1094154"/>
+            <a:ext cx="4314093" cy="369332"/>
+          </a:xfrm>
+          <a:prstGeom prst="rect">
+            <a:avLst/>
+          </a:prstGeom>
+          <a:noFill/>
+        </p:spPr>
+        <p:txBody>
+          <a:bodyPr wrap="square" rtlCol="0">
+            <a:spAutoFit/>
+          </a:bodyPr>
+          <a:lstStyle/>
+          <a:p>
+            <a:r>
+              <a:rPr lang="en-US" dirty="0"/>
+              <a:t>Hidden slide</a:t>
+            </a:r>
+            <a:endParaRPr lang="ru-RU" dirty="0"/>
+          </a:p>
+        </p:txBody>
+      </p:sp>
+    </p:spTree>
+    <p:extLst>
+      <p:ext uri="{BB962C8B-B14F-4D97-AF65-F5344CB8AC3E}">
+        <p14:creationId xmlns:p14="http://schemas.microsoft.com/office/powerpoint/2010/main" val="2570282867"/>
+      </p:ext>
+    </p:extLst>
+  </p:cSld>
+  <p:clrMapOvr>
+    <a:masterClrMapping/>
+  </p:clrMapOvr>
+</p:sld>
+</file>
+
 <file path=ppt/theme/theme1.xml><?xml version="1.0" encoding="utf-8"?>
 <a:theme xmlns:a="http://schemas.openxmlformats.org/drawingml/2006/main" name="Тема Office">
   <a:themeElements>

--- a/tests/ShapeCrawler.UnitTests/Resource/002.pptx
+++ b/tests/ShapeCrawler.UnitTests/Resource/002.pptx
@@ -1263,7 +1263,7 @@
           <a:p>
             <a:fld id="{6A2D1428-0459-4F75-829F-043936AE8C9E}" type="datetimeFigureOut">
               <a:rPr lang="en-US" smtClean="0"/>
-              <a:t>12/23/2020</a:t>
+              <a:t>12/25/2020</a:t>
             </a:fld>
             <a:endParaRPr lang="en-US"/>
           </a:p>
@@ -1463,7 +1463,7 @@
           <a:p>
             <a:fld id="{6A2D1428-0459-4F75-829F-043936AE8C9E}" type="datetimeFigureOut">
               <a:rPr lang="en-US" smtClean="0"/>
-              <a:t>12/23/2020</a:t>
+              <a:t>12/25/2020</a:t>
             </a:fld>
             <a:endParaRPr lang="en-US"/>
           </a:p>
@@ -1673,7 +1673,7 @@
           <a:p>
             <a:fld id="{6A2D1428-0459-4F75-829F-043936AE8C9E}" type="datetimeFigureOut">
               <a:rPr lang="en-US" smtClean="0"/>
-              <a:t>12/23/2020</a:t>
+              <a:t>12/25/2020</a:t>
             </a:fld>
             <a:endParaRPr lang="en-US"/>
           </a:p>
@@ -1873,7 +1873,7 @@
           <a:p>
             <a:fld id="{6A2D1428-0459-4F75-829F-043936AE8C9E}" type="datetimeFigureOut">
               <a:rPr lang="en-US" smtClean="0"/>
-              <a:t>12/23/2020</a:t>
+              <a:t>12/25/2020</a:t>
             </a:fld>
             <a:endParaRPr lang="en-US"/>
           </a:p>
@@ -2149,7 +2149,7 @@
           <a:p>
             <a:fld id="{6A2D1428-0459-4F75-829F-043936AE8C9E}" type="datetimeFigureOut">
               <a:rPr lang="en-US" smtClean="0"/>
-              <a:t>12/23/2020</a:t>
+              <a:t>12/25/2020</a:t>
             </a:fld>
             <a:endParaRPr lang="en-US"/>
           </a:p>
@@ -2417,7 +2417,7 @@
           <a:p>
             <a:fld id="{6A2D1428-0459-4F75-829F-043936AE8C9E}" type="datetimeFigureOut">
               <a:rPr lang="en-US" smtClean="0"/>
-              <a:t>12/23/2020</a:t>
+              <a:t>12/25/2020</a:t>
             </a:fld>
             <a:endParaRPr lang="en-US"/>
           </a:p>
@@ -2832,7 +2832,7 @@
           <a:p>
             <a:fld id="{6A2D1428-0459-4F75-829F-043936AE8C9E}" type="datetimeFigureOut">
               <a:rPr lang="en-US" smtClean="0"/>
-              <a:t>12/23/2020</a:t>
+              <a:t>12/25/2020</a:t>
             </a:fld>
             <a:endParaRPr lang="en-US"/>
           </a:p>
@@ -2974,7 +2974,7 @@
           <a:p>
             <a:fld id="{6A2D1428-0459-4F75-829F-043936AE8C9E}" type="datetimeFigureOut">
               <a:rPr lang="en-US" smtClean="0"/>
-              <a:t>12/23/2020</a:t>
+              <a:t>12/25/2020</a:t>
             </a:fld>
             <a:endParaRPr lang="en-US"/>
           </a:p>
@@ -3087,7 +3087,7 @@
           <a:p>
             <a:fld id="{6A2D1428-0459-4F75-829F-043936AE8C9E}" type="datetimeFigureOut">
               <a:rPr lang="en-US" smtClean="0"/>
-              <a:t>12/23/2020</a:t>
+              <a:t>12/25/2020</a:t>
             </a:fld>
             <a:endParaRPr lang="en-US"/>
           </a:p>
@@ -3400,7 +3400,7 @@
           <a:p>
             <a:fld id="{6A2D1428-0459-4F75-829F-043936AE8C9E}" type="datetimeFigureOut">
               <a:rPr lang="en-US" smtClean="0"/>
-              <a:t>12/23/2020</a:t>
+              <a:t>12/25/2020</a:t>
             </a:fld>
             <a:endParaRPr lang="en-US"/>
           </a:p>
@@ -3689,7 +3689,7 @@
           <a:p>
             <a:fld id="{6A2D1428-0459-4F75-829F-043936AE8C9E}" type="datetimeFigureOut">
               <a:rPr lang="en-US" smtClean="0"/>
-              <a:t>12/23/2020</a:t>
+              <a:t>12/25/2020</a:t>
             </a:fld>
             <a:endParaRPr lang="en-US"/>
           </a:p>
@@ -3932,7 +3932,7 @@
           <a:p>
             <a:fld id="{6A2D1428-0459-4F75-829F-043936AE8C9E}" type="datetimeFigureOut">
               <a:rPr lang="en-US" smtClean="0"/>
-              <a:t>12/23/2020</a:t>
+              <a:t>12/25/2020</a:t>
             </a:fld>
             <a:endParaRPr lang="en-US"/>
           </a:p>
@@ -4742,7 +4742,7 @@
         <p:spPr>
           <a:xfrm>
             <a:off x="6359580" y="1555262"/>
-            <a:ext cx="1211550" cy="646331"/>
+            <a:ext cx="1578637" cy="646331"/>
           </a:xfrm>
           <a:prstGeom prst="rect">
             <a:avLst/>
@@ -4773,8 +4773,12 @@
               <a:buAutoNum type="arabicPeriod"/>
             </a:pPr>
             <a:r>
+              <a:rPr lang="en-US" b="1" dirty="0"/>
+              <a:t>id5</a:t>
+            </a:r>
+            <a:r>
               <a:rPr lang="en-US" dirty="0"/>
-              <a:t>Test-p6</a:t>
+              <a:t>-Test-p6</a:t>
             </a:r>
           </a:p>
           <a:p>

--- a/tests/ShapeCrawler.UnitTests/Resource/002.pptx
+++ b/tests/ShapeCrawler.UnitTests/Resource/002.pptx
@@ -1263,7 +1263,7 @@
           <a:p>
             <a:fld id="{6A2D1428-0459-4F75-829F-043936AE8C9E}" type="datetimeFigureOut">
               <a:rPr lang="en-US" smtClean="0"/>
-              <a:t>12/25/2020</a:t>
+              <a:t>12/27/2020</a:t>
             </a:fld>
             <a:endParaRPr lang="en-US"/>
           </a:p>
@@ -1463,7 +1463,7 @@
           <a:p>
             <a:fld id="{6A2D1428-0459-4F75-829F-043936AE8C9E}" type="datetimeFigureOut">
               <a:rPr lang="en-US" smtClean="0"/>
-              <a:t>12/25/2020</a:t>
+              <a:t>12/27/2020</a:t>
             </a:fld>
             <a:endParaRPr lang="en-US"/>
           </a:p>
@@ -1673,7 +1673,7 @@
           <a:p>
             <a:fld id="{6A2D1428-0459-4F75-829F-043936AE8C9E}" type="datetimeFigureOut">
               <a:rPr lang="en-US" smtClean="0"/>
-              <a:t>12/25/2020</a:t>
+              <a:t>12/27/2020</a:t>
             </a:fld>
             <a:endParaRPr lang="en-US"/>
           </a:p>
@@ -1873,7 +1873,7 @@
           <a:p>
             <a:fld id="{6A2D1428-0459-4F75-829F-043936AE8C9E}" type="datetimeFigureOut">
               <a:rPr lang="en-US" smtClean="0"/>
-              <a:t>12/25/2020</a:t>
+              <a:t>12/27/2020</a:t>
             </a:fld>
             <a:endParaRPr lang="en-US"/>
           </a:p>
@@ -2149,7 +2149,7 @@
           <a:p>
             <a:fld id="{6A2D1428-0459-4F75-829F-043936AE8C9E}" type="datetimeFigureOut">
               <a:rPr lang="en-US" smtClean="0"/>
-              <a:t>12/25/2020</a:t>
+              <a:t>12/27/2020</a:t>
             </a:fld>
             <a:endParaRPr lang="en-US"/>
           </a:p>
@@ -2417,7 +2417,7 @@
           <a:p>
             <a:fld id="{6A2D1428-0459-4F75-829F-043936AE8C9E}" type="datetimeFigureOut">
               <a:rPr lang="en-US" smtClean="0"/>
-              <a:t>12/25/2020</a:t>
+              <a:t>12/27/2020</a:t>
             </a:fld>
             <a:endParaRPr lang="en-US"/>
           </a:p>
@@ -2832,7 +2832,7 @@
           <a:p>
             <a:fld id="{6A2D1428-0459-4F75-829F-043936AE8C9E}" type="datetimeFigureOut">
               <a:rPr lang="en-US" smtClean="0"/>
-              <a:t>12/25/2020</a:t>
+              <a:t>12/27/2020</a:t>
             </a:fld>
             <a:endParaRPr lang="en-US"/>
           </a:p>
@@ -2974,7 +2974,7 @@
           <a:p>
             <a:fld id="{6A2D1428-0459-4F75-829F-043936AE8C9E}" type="datetimeFigureOut">
               <a:rPr lang="en-US" smtClean="0"/>
-              <a:t>12/25/2020</a:t>
+              <a:t>12/27/2020</a:t>
             </a:fld>
             <a:endParaRPr lang="en-US"/>
           </a:p>
@@ -3087,7 +3087,7 @@
           <a:p>
             <a:fld id="{6A2D1428-0459-4F75-829F-043936AE8C9E}" type="datetimeFigureOut">
               <a:rPr lang="en-US" smtClean="0"/>
-              <a:t>12/25/2020</a:t>
+              <a:t>12/27/2020</a:t>
             </a:fld>
             <a:endParaRPr lang="en-US"/>
           </a:p>
@@ -3400,7 +3400,7 @@
           <a:p>
             <a:fld id="{6A2D1428-0459-4F75-829F-043936AE8C9E}" type="datetimeFigureOut">
               <a:rPr lang="en-US" smtClean="0"/>
-              <a:t>12/25/2020</a:t>
+              <a:t>12/27/2020</a:t>
             </a:fld>
             <a:endParaRPr lang="en-US"/>
           </a:p>
@@ -3689,7 +3689,7 @@
           <a:p>
             <a:fld id="{6A2D1428-0459-4F75-829F-043936AE8C9E}" type="datetimeFigureOut">
               <a:rPr lang="en-US" smtClean="0"/>
-              <a:t>12/25/2020</a:t>
+              <a:t>12/27/2020</a:t>
             </a:fld>
             <a:endParaRPr lang="en-US"/>
           </a:p>
@@ -3932,7 +3932,7 @@
           <a:p>
             <a:fld id="{6A2D1428-0459-4F75-829F-043936AE8C9E}" type="datetimeFigureOut">
               <a:rPr lang="en-US" smtClean="0"/>
-              <a:t>12/25/2020</a:t>
+              <a:t>12/27/2020</a:t>
             </a:fld>
             <a:endParaRPr lang="en-US"/>
           </a:p>
@@ -4562,7 +4562,7 @@
         <p:spPr>
           <a:xfrm>
             <a:off x="1914769" y="1555262"/>
-            <a:ext cx="1153842" cy="923330"/>
+            <a:ext cx="1516121" cy="923330"/>
           </a:xfrm>
           <a:prstGeom prst="rect">
             <a:avLst/>
@@ -4593,8 +4593,12 @@
               <a:buChar char="•"/>
             </a:pPr>
             <a:r>
+              <a:rPr lang="en-US" b="1" dirty="0"/>
+              <a:t>Test</a:t>
+            </a:r>
+            <a:r>
               <a:rPr lang="en-US" dirty="0"/>
-              <a:t>Test-p1</a:t>
+              <a:t>-p1</a:t>
             </a:r>
           </a:p>
           <a:p>
@@ -4608,7 +4612,7 @@
             </a:pPr>
             <a:r>
               <a:rPr lang="en-US" dirty="0"/>
-              <a:t>Test-p2</a:t>
+              <a:t>id4-Test-p2</a:t>
             </a:r>
           </a:p>
           <a:p>
@@ -4618,8 +4622,12 @@
               </a:buClr>
             </a:pPr>
             <a:r>
+              <a:rPr lang="en-US" b="1" dirty="0"/>
+              <a:t>Test</a:t>
+            </a:r>
+            <a:r>
               <a:rPr lang="en-US" dirty="0"/>
-              <a:t>Test-p3</a:t>
+              <a:t>-p3</a:t>
             </a:r>
             <a:endParaRPr lang="ru-RU" dirty="0"/>
           </a:p>

--- a/tests/ShapeCrawler.UnitTests/Resource/002.pptx
+++ b/tests/ShapeCrawler.UnitTests/Resource/002.pptx
@@ -1263,7 +1263,7 @@
           <a:p>
             <a:fld id="{6A2D1428-0459-4F75-829F-043936AE8C9E}" type="datetimeFigureOut">
               <a:rPr lang="en-US" smtClean="0"/>
-              <a:t>12/27/2020</a:t>
+              <a:t>12/29/2020</a:t>
             </a:fld>
             <a:endParaRPr lang="en-US"/>
           </a:p>
@@ -1463,7 +1463,7 @@
           <a:p>
             <a:fld id="{6A2D1428-0459-4F75-829F-043936AE8C9E}" type="datetimeFigureOut">
               <a:rPr lang="en-US" smtClean="0"/>
-              <a:t>12/27/2020</a:t>
+              <a:t>12/29/2020</a:t>
             </a:fld>
             <a:endParaRPr lang="en-US"/>
           </a:p>
@@ -1673,7 +1673,7 @@
           <a:p>
             <a:fld id="{6A2D1428-0459-4F75-829F-043936AE8C9E}" type="datetimeFigureOut">
               <a:rPr lang="en-US" smtClean="0"/>
-              <a:t>12/27/2020</a:t>
+              <a:t>12/29/2020</a:t>
             </a:fld>
             <a:endParaRPr lang="en-US"/>
           </a:p>
@@ -1873,7 +1873,7 @@
           <a:p>
             <a:fld id="{6A2D1428-0459-4F75-829F-043936AE8C9E}" type="datetimeFigureOut">
               <a:rPr lang="en-US" smtClean="0"/>
-              <a:t>12/27/2020</a:t>
+              <a:t>12/29/2020</a:t>
             </a:fld>
             <a:endParaRPr lang="en-US"/>
           </a:p>
@@ -2149,7 +2149,7 @@
           <a:p>
             <a:fld id="{6A2D1428-0459-4F75-829F-043936AE8C9E}" type="datetimeFigureOut">
               <a:rPr lang="en-US" smtClean="0"/>
-              <a:t>12/27/2020</a:t>
+              <a:t>12/29/2020</a:t>
             </a:fld>
             <a:endParaRPr lang="en-US"/>
           </a:p>
@@ -2417,7 +2417,7 @@
           <a:p>
             <a:fld id="{6A2D1428-0459-4F75-829F-043936AE8C9E}" type="datetimeFigureOut">
               <a:rPr lang="en-US" smtClean="0"/>
-              <a:t>12/27/2020</a:t>
+              <a:t>12/29/2020</a:t>
             </a:fld>
             <a:endParaRPr lang="en-US"/>
           </a:p>
@@ -2832,7 +2832,7 @@
           <a:p>
             <a:fld id="{6A2D1428-0459-4F75-829F-043936AE8C9E}" type="datetimeFigureOut">
               <a:rPr lang="en-US" smtClean="0"/>
-              <a:t>12/27/2020</a:t>
+              <a:t>12/29/2020</a:t>
             </a:fld>
             <a:endParaRPr lang="en-US"/>
           </a:p>
@@ -2974,7 +2974,7 @@
           <a:p>
             <a:fld id="{6A2D1428-0459-4F75-829F-043936AE8C9E}" type="datetimeFigureOut">
               <a:rPr lang="en-US" smtClean="0"/>
-              <a:t>12/27/2020</a:t>
+              <a:t>12/29/2020</a:t>
             </a:fld>
             <a:endParaRPr lang="en-US"/>
           </a:p>
@@ -3087,7 +3087,7 @@
           <a:p>
             <a:fld id="{6A2D1428-0459-4F75-829F-043936AE8C9E}" type="datetimeFigureOut">
               <a:rPr lang="en-US" smtClean="0"/>
-              <a:t>12/27/2020</a:t>
+              <a:t>12/29/2020</a:t>
             </a:fld>
             <a:endParaRPr lang="en-US"/>
           </a:p>
@@ -3400,7 +3400,7 @@
           <a:p>
             <a:fld id="{6A2D1428-0459-4F75-829F-043936AE8C9E}" type="datetimeFigureOut">
               <a:rPr lang="en-US" smtClean="0"/>
-              <a:t>12/27/2020</a:t>
+              <a:t>12/29/2020</a:t>
             </a:fld>
             <a:endParaRPr lang="en-US"/>
           </a:p>
@@ -3689,7 +3689,7 @@
           <a:p>
             <a:fld id="{6A2D1428-0459-4F75-829F-043936AE8C9E}" type="datetimeFigureOut">
               <a:rPr lang="en-US" smtClean="0"/>
-              <a:t>12/27/2020</a:t>
+              <a:t>12/29/2020</a:t>
             </a:fld>
             <a:endParaRPr lang="en-US"/>
           </a:p>
@@ -3932,7 +3932,7 @@
           <a:p>
             <a:fld id="{6A2D1428-0459-4F75-829F-043936AE8C9E}" type="datetimeFigureOut">
               <a:rPr lang="en-US" smtClean="0"/>
-              <a:t>12/27/2020</a:t>
+              <a:t>12/29/2020</a:t>
             </a:fld>
             <a:endParaRPr lang="en-US"/>
           </a:p>
@@ -4700,7 +4700,7 @@
         </p:nvSpPr>
         <p:spPr>
           <a:xfrm>
-            <a:off x="4986046" y="1555262"/>
+            <a:off x="4800429" y="1555262"/>
             <a:ext cx="1559151" cy="286232"/>
           </a:xfrm>
           <a:prstGeom prst="rect">
@@ -4728,9 +4728,10 @@
             </a:pPr>
             <a:r>
               <a:rPr lang="en-US" sz="1400" dirty="0">
+                <a:latin typeface="Palatino Linotype" panose="02040502050505030304" pitchFamily="18" charset="0"/>
                 <a:cs typeface="Arial" charset="0"/>
               </a:rPr>
-              <a:t>Third point</a:t>
+              <a:t>Third point_id3</a:t>
             </a:r>
           </a:p>
         </p:txBody>
